--- a/Дубиковський_Валентин/Дубиковський_Валентин_Володимирович_ТХ_22_1_Тема_електричний кипятильник.pptx
+++ b/Дубиковський_Валентин/Дубиковський_Валентин_Володимирович_ТХ_22_1_Тема_електричний кипятильник.pptx
@@ -113,6 +113,11 @@
       </a:defRPr>
     </a:lvl9pPr>
   </p:defaultTextStyle>
+  <p:extLst>
+    <p:ext uri="{EFAFB233-063F-42B5-8137-9DF3F51BA10A}">
+      <p15:sldGuideLst xmlns:p15="http://schemas.microsoft.com/office/powerpoint/2012/main"/>
+    </p:ext>
+  </p:extLst>
 </p:presentation>
 </file>
 
@@ -6132,6 +6137,15 @@
               </a:rPr>
               <a:t>людини</a:t>
             </a:r>
+            <a:r>
+              <a:rPr lang="ru-RU" sz="2400" dirty="0">
+                <a:solidFill>
+                  <a:schemeClr val="tx1"/>
+                </a:solidFill>
+                <a:latin typeface="+mn-lt"/>
+              </a:rPr>
+              <a:t/>
+            </a:r>
             <a:br>
               <a:rPr lang="ru-RU" sz="2400" dirty="0">
                 <a:solidFill>
@@ -6167,6 +6181,15 @@
               </a:rPr>
               <a:t>»</a:t>
             </a:r>
+            <a:r>
+              <a:rPr lang="ru-RU" sz="2400" dirty="0">
+                <a:solidFill>
+                  <a:schemeClr val="tx1"/>
+                </a:solidFill>
+                <a:latin typeface="+mn-lt"/>
+              </a:rPr>
+              <a:t/>
+            </a:r>
             <a:br>
               <a:rPr lang="ru-RU" sz="2400" dirty="0">
                 <a:solidFill>
@@ -6202,6 +6225,15 @@
               </a:rPr>
               <a:t>інститут</a:t>
             </a:r>
+            <a:r>
+              <a:rPr lang="ru-RU" sz="2400" dirty="0">
+                <a:solidFill>
+                  <a:schemeClr val="tx1"/>
+                </a:solidFill>
+                <a:latin typeface="+mn-lt"/>
+              </a:rPr>
+              <a:t/>
+            </a:r>
             <a:br>
               <a:rPr lang="ru-RU" sz="2400" dirty="0">
                 <a:solidFill>
@@ -6264,6 +6296,15 @@
               </a:rPr>
               <a:t>проєкт</a:t>
             </a:r>
+            <a:r>
+              <a:rPr lang="ru-RU" sz="2400" b="1" dirty="0">
+                <a:solidFill>
+                  <a:schemeClr val="tx1"/>
+                </a:solidFill>
+                <a:latin typeface="+mn-lt"/>
+              </a:rPr>
+              <a:t/>
+            </a:r>
             <a:br>
               <a:rPr lang="ru-RU" sz="2400" b="1" dirty="0">
                 <a:solidFill>
@@ -6272,6 +6313,15 @@
                 <a:latin typeface="+mn-lt"/>
               </a:rPr>
             </a:br>
+            <a:r>
+              <a:rPr lang="ru-RU" sz="2400" dirty="0">
+                <a:solidFill>
+                  <a:schemeClr val="tx1"/>
+                </a:solidFill>
+                <a:latin typeface="+mn-lt"/>
+              </a:rPr>
+              <a:t/>
+            </a:r>
             <a:br>
               <a:rPr lang="ru-RU" sz="2400" dirty="0">
                 <a:solidFill>
@@ -6367,19 +6417,10 @@
                 </a:solidFill>
                 <a:latin typeface="+mn-lt"/>
               </a:rPr>
-              <a:t>на тему</a:t>
-            </a:r>
-            <a:r>
-              <a:rPr lang="ru-RU" sz="2400" i="1" dirty="0">
-                <a:solidFill>
-                  <a:schemeClr val="tx1"/>
-                </a:solidFill>
-                <a:latin typeface="+mn-lt"/>
-              </a:rPr>
-              <a:t>: </a:t>
-            </a:r>
-            <a:r>
-              <a:rPr lang="uk-UA" sz="2400" i="1" dirty="0" err="1">
+              <a:t>на тему: </a:t>
+            </a:r>
+            <a:r>
+              <a:rPr lang="uk-UA" sz="2400" dirty="0" err="1">
                 <a:solidFill>
                   <a:schemeClr val="tx1"/>
                 </a:solidFill>
@@ -6388,7 +6429,7 @@
               <a:t>кипятильник</a:t>
             </a:r>
             <a:r>
-              <a:rPr lang="uk-UA" sz="2400" i="1" dirty="0">
+              <a:rPr lang="uk-UA" sz="2400" dirty="0">
                 <a:solidFill>
                   <a:schemeClr val="tx1"/>
                 </a:solidFill>
@@ -6396,6 +6437,15 @@
               </a:rPr>
               <a:t> електричний.</a:t>
             </a:r>
+            <a:r>
+              <a:rPr lang="ru-RU" sz="2400" dirty="0">
+                <a:solidFill>
+                  <a:schemeClr val="tx1"/>
+                </a:solidFill>
+                <a:latin typeface="+mn-lt"/>
+              </a:rPr>
+              <a:t/>
+            </a:r>
             <a:br>
               <a:rPr lang="ru-RU" sz="2400" dirty="0">
                 <a:solidFill>
@@ -6475,6 +6525,15 @@
               </a:rPr>
               <a:t>освіти</a:t>
             </a:r>
+            <a:r>
+              <a:rPr lang="ru-RU" sz="2400" dirty="0">
+                <a:solidFill>
+                  <a:schemeClr val="tx1"/>
+                </a:solidFill>
+                <a:latin typeface="+mn-lt"/>
+              </a:rPr>
+              <a:t/>
+            </a:r>
             <a:br>
               <a:rPr lang="ru-RU" sz="2400" dirty="0">
                 <a:solidFill>
@@ -6519,6 +6578,15 @@
               </a:rPr>
               <a:t>ТХ-22-1</a:t>
             </a:r>
+            <a:r>
+              <a:rPr lang="ru-RU" sz="2400" dirty="0">
+                <a:solidFill>
+                  <a:schemeClr val="tx1"/>
+                </a:solidFill>
+                <a:latin typeface="+mn-lt"/>
+              </a:rPr>
+              <a:t/>
+            </a:r>
             <a:br>
               <a:rPr lang="ru-RU" sz="2400" dirty="0">
                 <a:solidFill>
@@ -6633,6 +6701,15 @@
                 <a:latin typeface="+mn-lt"/>
               </a:rPr>
               <a:t>технології</a:t>
+            </a:r>
+            <a:r>
+              <a:rPr lang="ru-RU" sz="2400" dirty="0">
+                <a:solidFill>
+                  <a:schemeClr val="tx1"/>
+                </a:solidFill>
+                <a:latin typeface="+mn-lt"/>
+              </a:rPr>
+              <a:t/>
             </a:r>
             <a:br>
               <a:rPr lang="ru-RU" sz="2400" dirty="0">
@@ -6660,6 +6737,15 @@
               </a:rPr>
               <a:t> Валентин Володимирович</a:t>
             </a:r>
+            <a:r>
+              <a:rPr lang="ru-RU" sz="2400" dirty="0">
+                <a:solidFill>
+                  <a:schemeClr val="tx1"/>
+                </a:solidFill>
+                <a:latin typeface="+mn-lt"/>
+              </a:rPr>
+              <a:t/>
+            </a:r>
             <a:br>
               <a:rPr lang="ru-RU" sz="2400" dirty="0">
                 <a:solidFill>
@@ -6686,7 +6772,7 @@
               </a:rPr>
             </a:br>
             <a:r>
-              <a:rPr lang="ru-RU" sz="2400" i="1" dirty="0">
+              <a:rPr lang="ru-RU" sz="2400" dirty="0">
                 <a:solidFill>
                   <a:schemeClr val="tx1"/>
                 </a:solidFill>
@@ -6695,7 +6781,7 @@
               <a:t>ПІП </a:t>
             </a:r>
             <a:r>
-              <a:rPr lang="ru-RU" sz="2400" i="1" dirty="0" err="1">
+              <a:rPr lang="ru-RU" sz="2400" dirty="0" err="1">
                 <a:solidFill>
                   <a:schemeClr val="tx1"/>
                 </a:solidFill>
@@ -6776,6 +6862,13 @@
   <p:clrMapOvr>
     <a:masterClrMapping/>
   </p:clrMapOvr>
+  <p:timing>
+    <p:tnLst>
+      <p:par>
+        <p:cTn id="1" dur="indefinite" restart="never" nodeType="tmRoot"/>
+      </p:par>
+    </p:tnLst>
+  </p:timing>
 </p:sld>
 </file>
 
@@ -7046,6 +7139,13 @@
   <p:clrMapOvr>
     <a:masterClrMapping/>
   </p:clrMapOvr>
+  <p:timing>
+    <p:tnLst>
+      <p:par>
+        <p:cTn id="1" dur="indefinite" restart="never" nodeType="tmRoot"/>
+      </p:par>
+    </p:tnLst>
+  </p:timing>
 </p:sld>
 </file>
 
@@ -7123,7 +7223,7 @@
         </p:spPr>
         <p:txBody>
           <a:bodyPr>
-            <a:normAutofit fontScale="92500"/>
+            <a:normAutofit lnSpcReduction="10000"/>
           </a:bodyPr>
           <a:lstStyle/>
           <a:p>
@@ -7460,6 +7560,13 @@
   <p:clrMapOvr>
     <a:masterClrMapping/>
   </p:clrMapOvr>
+  <p:timing>
+    <p:tnLst>
+      <p:par>
+        <p:cTn id="1" dur="indefinite" restart="never" nodeType="tmRoot"/>
+      </p:par>
+    </p:tnLst>
+  </p:timing>
 </p:sld>
 </file>
 
@@ -7660,15 +7767,15 @@
               <a:buChar char="•"/>
             </a:pPr>
             <a:r>
-              <a:rPr lang="ru-RU" sz="2400" b="1" dirty="0" err="1"/>
+              <a:rPr lang="ru-RU" sz="2400" dirty="0" err="1"/>
               <a:t>Проточні</a:t>
             </a:r>
             <a:r>
-              <a:rPr lang="ru-RU" sz="2400" b="1" dirty="0"/>
+              <a:rPr lang="ru-RU" sz="2400" dirty="0"/>
               <a:t> </a:t>
             </a:r>
             <a:r>
-              <a:rPr lang="ru-RU" sz="2400" b="1" dirty="0" err="1"/>
+              <a:rPr lang="ru-RU" sz="2400" dirty="0" err="1"/>
               <a:t>кип’ятильники</a:t>
             </a:r>
             <a:r>
@@ -7778,15 +7885,15 @@
               <a:buChar char="•"/>
             </a:pPr>
             <a:r>
-              <a:rPr lang="ru-RU" sz="2400" b="1" dirty="0" err="1"/>
+              <a:rPr lang="ru-RU" sz="2400" dirty="0" err="1"/>
               <a:t>Накопичувальні</a:t>
             </a:r>
             <a:r>
-              <a:rPr lang="ru-RU" sz="2400" b="1" dirty="0"/>
+              <a:rPr lang="ru-RU" sz="2400" dirty="0"/>
               <a:t> </a:t>
             </a:r>
             <a:r>
-              <a:rPr lang="ru-RU" sz="2400" b="1" dirty="0" err="1"/>
+              <a:rPr lang="ru-RU" sz="2400" dirty="0" err="1"/>
               <a:t>кип’ятильники</a:t>
             </a:r>
             <a:r>
@@ -7929,6 +8036,13 @@
   <p:clrMapOvr>
     <a:masterClrMapping/>
   </p:clrMapOvr>
+  <p:timing>
+    <p:tnLst>
+      <p:par>
+        <p:cTn id="1" dur="indefinite" restart="never" nodeType="tmRoot"/>
+      </p:par>
+    </p:tnLst>
+  </p:timing>
 </p:sld>
 </file>
 
@@ -8023,12 +8137,8 @@
               <a:buChar char="•"/>
             </a:pPr>
             <a:r>
-              <a:rPr lang="uk-UA" sz="2400" b="1" dirty="0"/>
-              <a:t>Нержавіюча сталь</a:t>
-            </a:r>
-            <a:r>
               <a:rPr lang="uk-UA" sz="2400" dirty="0"/>
-              <a:t> (марка </a:t>
+              <a:t>Нержавіюча сталь (марка </a:t>
             </a:r>
             <a:r>
               <a:rPr lang="en-US" sz="2400" dirty="0"/>
@@ -8053,12 +8163,8 @@
               <a:buChar char="•"/>
             </a:pPr>
             <a:r>
-              <a:rPr lang="uk-UA" sz="2400" b="1" dirty="0"/>
-              <a:t>Мідь</a:t>
-            </a:r>
-            <a:r>
               <a:rPr lang="uk-UA" sz="2400" dirty="0"/>
-              <a:t> — для нагрівальних елементів (</a:t>
+              <a:t>Мідь — для нагрівальних елементів (</a:t>
             </a:r>
             <a:r>
               <a:rPr lang="uk-UA" sz="2400" dirty="0" err="1"/>
@@ -8205,6 +8311,13 @@
   <p:clrMapOvr>
     <a:masterClrMapping/>
   </p:clrMapOvr>
+  <p:timing>
+    <p:tnLst>
+      <p:par>
+        <p:cTn id="1" dur="indefinite" restart="never" nodeType="tmRoot"/>
+      </p:par>
+    </p:tnLst>
+  </p:timing>
 </p:sld>
 </file>
 
@@ -8286,6 +8399,10 @@
           </a:bodyPr>
           <a:lstStyle/>
           <a:p>
+            <a:r>
+              <a:rPr lang="uk-UA" sz="2400" dirty="0"/>
+              <a:t/>
+            </a:r>
             <a:br>
               <a:rPr lang="uk-UA" sz="2400" dirty="0"/>
             </a:br>
@@ -8308,12 +8425,8 @@
               <a:buChar char="•"/>
             </a:pPr>
             <a:r>
-              <a:rPr lang="uk-UA" sz="2400" b="1" dirty="0"/>
-              <a:t>Нагрівальні елементи</a:t>
-            </a:r>
-            <a:r>
               <a:rPr lang="uk-UA" sz="2400" dirty="0"/>
-              <a:t> передають тепло воді, підвищуючи її температуру до 90-100°</a:t>
+              <a:t>Нагрівальні елементи передають тепло воді, підвищуючи її температуру до 90-100°</a:t>
             </a:r>
             <a:r>
               <a:rPr lang="en-US" sz="2400" dirty="0"/>
@@ -8326,12 +8439,8 @@
               <a:buChar char="•"/>
             </a:pPr>
             <a:r>
-              <a:rPr lang="uk-UA" sz="2400" b="1" dirty="0"/>
-              <a:t>Автоматичні термостати</a:t>
-            </a:r>
-            <a:r>
               <a:rPr lang="uk-UA" sz="2400" dirty="0"/>
-              <a:t> підтримують стабільну температуру, вимикаючи нагрівання при досягненні заданої температури.</a:t>
+              <a:t>Автоматичні термостати підтримують стабільну температуру, вимикаючи нагрівання при досягненні заданої температури.</a:t>
             </a:r>
           </a:p>
           <a:p>
@@ -8406,6 +8515,13 @@
   <p:clrMapOvr>
     <a:masterClrMapping/>
   </p:clrMapOvr>
+  <p:timing>
+    <p:tnLst>
+      <p:par>
+        <p:cTn id="1" dur="indefinite" restart="never" nodeType="tmRoot"/>
+      </p:par>
+    </p:tnLst>
+  </p:timing>
 </p:sld>
 </file>
 
@@ -8488,24 +8604,16 @@
           <a:lstStyle/>
           <a:p>
             <a:r>
-              <a:rPr lang="uk-UA" b="1" dirty="0"/>
-              <a:t>Проточні кип’ятильники</a:t>
-            </a:r>
-            <a:r>
               <a:rPr lang="uk-UA" dirty="0"/>
-              <a:t> — дозволяють швидко нагрівати воду, підходять для невеликих обсягів води. Наприклад, модель </a:t>
-            </a:r>
-            <a:r>
-              <a:rPr lang="en-US" b="1" dirty="0" err="1"/>
+              <a:t>Проточні кип’ятильники — дозволяють швидко нагрівати воду, підходять для невеликих обсягів води. Наприклад, модель </a:t>
+            </a:r>
+            <a:r>
+              <a:rPr lang="en-US" dirty="0" err="1"/>
               <a:t>Hurakan</a:t>
             </a:r>
             <a:r>
-              <a:rPr lang="en-US" b="1" dirty="0"/>
-              <a:t> HKN-HVZ35M</a:t>
-            </a:r>
-            <a:r>
               <a:rPr lang="en-US" dirty="0"/>
-              <a:t>.</a:t>
+              <a:t> HKN-HVZ35M.</a:t>
             </a:r>
           </a:p>
         </p:txBody>
@@ -8576,24 +8684,16 @@
           <a:p>
             <a:pPr algn="ctr"/>
             <a:r>
-              <a:rPr lang="uk-UA" sz="2000" b="1" dirty="0"/>
-              <a:t>Накопичувальні кип’ятильники</a:t>
-            </a:r>
-            <a:r>
               <a:rPr lang="uk-UA" sz="2000" dirty="0"/>
-              <a:t> — забезпечують великий обсяг гарячої води для потреб ресторанного бізнесу. Приклад: </a:t>
-            </a:r>
-            <a:r>
-              <a:rPr lang="en-US" sz="2000" b="1" dirty="0" err="1"/>
+              <a:t>Накопичувальні кип’ятильники — забезпечують великий обсяг гарячої води для потреб ресторанного бізнесу. Приклад: </a:t>
+            </a:r>
+            <a:r>
+              <a:rPr lang="en-US" sz="2000" dirty="0" err="1"/>
               <a:t>Hurakan</a:t>
             </a:r>
             <a:r>
-              <a:rPr lang="en-US" sz="2000" b="1" dirty="0"/>
-              <a:t> HKN-HVB15</a:t>
-            </a:r>
-            <a:r>
               <a:rPr lang="en-US" sz="2000" dirty="0"/>
-              <a:t>. </a:t>
+              <a:t> HKN-HVB15. </a:t>
             </a:r>
             <a:r>
               <a:rPr lang="uk-UA" sz="2000" dirty="0"/>
@@ -8655,6 +8755,13 @@
   <p:clrMapOvr>
     <a:masterClrMapping/>
   </p:clrMapOvr>
+  <p:timing>
+    <p:tnLst>
+      <p:par>
+        <p:cTn id="1" dur="indefinite" restart="never" nodeType="tmRoot"/>
+      </p:par>
+    </p:tnLst>
+  </p:timing>
 </p:sld>
 </file>
 
@@ -8799,12 +8906,8 @@
               <a:buChar char="•"/>
             </a:pPr>
             <a:r>
-              <a:rPr lang="ru-RU" b="1" dirty="0"/>
-              <a:t>Корпус</a:t>
-            </a:r>
-            <a:r>
               <a:rPr lang="ru-RU" dirty="0"/>
-              <a:t> </a:t>
+              <a:t>Корпус </a:t>
             </a:r>
             <a:r>
               <a:rPr lang="ru-RU" dirty="0" err="1"/>
@@ -8885,15 +8988,15 @@
               <a:buChar char="•"/>
             </a:pPr>
             <a:r>
-              <a:rPr lang="ru-RU" b="1" dirty="0" err="1"/>
+              <a:rPr lang="ru-RU" dirty="0" err="1"/>
               <a:t>Нагрівальні</a:t>
             </a:r>
             <a:r>
-              <a:rPr lang="ru-RU" b="1" dirty="0"/>
+              <a:rPr lang="ru-RU" dirty="0"/>
               <a:t> </a:t>
             </a:r>
             <a:r>
-              <a:rPr lang="ru-RU" b="1" dirty="0" err="1"/>
+              <a:rPr lang="ru-RU" dirty="0" err="1"/>
               <a:t>елементи</a:t>
             </a:r>
             <a:r>
@@ -8947,15 +9050,15 @@
               <a:buChar char="•"/>
             </a:pPr>
             <a:r>
-              <a:rPr lang="ru-RU" b="1" dirty="0" err="1"/>
+              <a:rPr lang="ru-RU" dirty="0" err="1"/>
               <a:t>Техніка</a:t>
             </a:r>
             <a:r>
-              <a:rPr lang="ru-RU" b="1" dirty="0"/>
+              <a:rPr lang="ru-RU" dirty="0"/>
               <a:t> </a:t>
             </a:r>
             <a:r>
-              <a:rPr lang="ru-RU" b="1" dirty="0" err="1"/>
+              <a:rPr lang="ru-RU" dirty="0" err="1"/>
               <a:t>безпеки</a:t>
             </a:r>
             <a:r>
@@ -9101,6 +9204,13 @@
   <p:clrMapOvr>
     <a:masterClrMapping/>
   </p:clrMapOvr>
+  <p:timing>
+    <p:tnLst>
+      <p:par>
+        <p:cTn id="1" dur="indefinite" restart="never" nodeType="tmRoot"/>
+      </p:par>
+    </p:tnLst>
+  </p:timing>
 </p:sld>
 </file>
 
@@ -9194,15 +9304,7 @@
             </a:pPr>
             <a:r>
               <a:rPr lang="uk-UA" dirty="0"/>
-              <a:t>Високоякісна </a:t>
-            </a:r>
-            <a:r>
-              <a:rPr lang="uk-UA" b="1" dirty="0"/>
-              <a:t>теплоізоляція</a:t>
-            </a:r>
-            <a:r>
-              <a:rPr lang="uk-UA" dirty="0"/>
-              <a:t> корпусу зменшує втрати тепла та знижує енергоспоживання.</a:t>
+              <a:t>Високоякісна теплоізоляція корпусу зменшує втрати тепла та знижує енергоспоживання.</a:t>
             </a:r>
           </a:p>
           <a:p>
@@ -9212,15 +9314,7 @@
             </a:pPr>
             <a:r>
               <a:rPr lang="uk-UA" dirty="0"/>
-              <a:t>Використання </a:t>
-            </a:r>
-            <a:r>
-              <a:rPr lang="uk-UA" b="1" dirty="0"/>
-              <a:t>міді</a:t>
-            </a:r>
-            <a:r>
-              <a:rPr lang="uk-UA" dirty="0"/>
-              <a:t> в </a:t>
+              <a:t>Використання міді в </a:t>
             </a:r>
             <a:r>
               <a:rPr lang="uk-UA" dirty="0" err="1"/>
@@ -9300,6 +9394,13 @@
   <p:clrMapOvr>
     <a:masterClrMapping/>
   </p:clrMapOvr>
+  <p:timing>
+    <p:tnLst>
+      <p:par>
+        <p:cTn id="1" dur="indefinite" restart="never" nodeType="tmRoot"/>
+      </p:par>
+    </p:tnLst>
+  </p:timing>
 </p:sld>
 </file>
 
@@ -9440,12 +9541,8 @@
               <a:buChar char="•"/>
             </a:pPr>
             <a:r>
-              <a:rPr lang="uk-UA" sz="2400" b="1" dirty="0"/>
-              <a:t>Заземлення</a:t>
-            </a:r>
-            <a:r>
               <a:rPr lang="uk-UA" sz="2400" dirty="0"/>
-              <a:t> усіх електричних компонентів для захисту від ураження струмом.</a:t>
+              <a:t>Заземлення усіх електричних компонентів для захисту від ураження струмом.</a:t>
             </a:r>
           </a:p>
           <a:p>
@@ -9454,12 +9551,8 @@
               <a:buChar char="•"/>
             </a:pPr>
             <a:r>
-              <a:rPr lang="uk-UA" sz="2400" b="1" dirty="0"/>
-              <a:t>Автоматичний термостат</a:t>
-            </a:r>
-            <a:r>
               <a:rPr lang="uk-UA" sz="2400" dirty="0"/>
-              <a:t> для відключення пристрою при досягненні максимальної температури.</a:t>
+              <a:t>Автоматичний термостат для відключення пристрою при досягненні максимальної температури.</a:t>
             </a:r>
           </a:p>
           <a:p>
@@ -9468,12 +9561,8 @@
               <a:buChar char="•"/>
             </a:pPr>
             <a:r>
-              <a:rPr lang="uk-UA" sz="2400" b="1" dirty="0"/>
-              <a:t>Ізоляція</a:t>
-            </a:r>
-            <a:r>
               <a:rPr lang="uk-UA" sz="2400" dirty="0"/>
-              <a:t> від високих температур на зовнішніх частинах пристрою для запобігання </a:t>
+              <a:t>Ізоляція від високих температур на зовнішніх частинах пристрою для запобігання </a:t>
             </a:r>
             <a:r>
               <a:rPr lang="uk-UA" sz="2400" dirty="0" err="1"/>
@@ -9491,15 +9580,7 @@
             </a:pPr>
             <a:r>
               <a:rPr lang="uk-UA" sz="2400" dirty="0"/>
-              <a:t>Регулярне </a:t>
-            </a:r>
-            <a:r>
-              <a:rPr lang="uk-UA" sz="2400" b="1" dirty="0"/>
-              <a:t>обслуговування</a:t>
-            </a:r>
-            <a:r>
-              <a:rPr lang="uk-UA" sz="2400" dirty="0"/>
-              <a:t> включає очищення від накипу та перевірку справності механізмів безпеки.</a:t>
+              <a:t>Регулярне обслуговування включає очищення від накипу та перевірку справності механізмів безпеки.</a:t>
             </a:r>
           </a:p>
         </p:txBody>
@@ -9514,6 +9595,13 @@
   <p:clrMapOvr>
     <a:masterClrMapping/>
   </p:clrMapOvr>
+  <p:timing>
+    <p:tnLst>
+      <p:par>
+        <p:cTn id="1" dur="indefinite" restart="never" nodeType="tmRoot"/>
+      </p:par>
+    </p:tnLst>
+  </p:timing>
 </p:sld>
 </file>
 
